--- a/0-prompt-engineering/src/main/java/com/example/promptengineering/Prompt Engineering KT community.pptx
+++ b/0-prompt-engineering/src/main/java/com/example/promptengineering/Prompt Engineering KT community.pptx
@@ -6,8 +6,8 @@
   </p:sldMasterIdLst>
   <p:sldIdLst>
     <p:sldId id="256" r:id="rId2"/>
-    <p:sldId id="261" r:id="rId3"/>
-    <p:sldId id="257" r:id="rId4"/>
+    <p:sldId id="257" r:id="rId3"/>
+    <p:sldId id="261" r:id="rId4"/>
     <p:sldId id="258" r:id="rId5"/>
     <p:sldId id="262" r:id="rId6"/>
     <p:sldId id="260" r:id="rId7"/>
@@ -118,6 +118,11 @@
       </a:defRPr>
     </a:lvl9pPr>
   </p:defaultTextStyle>
+  <p:extLst>
+    <p:ext uri="{EFAFB233-063F-42B5-8137-9DF3F51BA10A}">
+      <p15:sldGuideLst xmlns:p15="http://schemas.microsoft.com/office/powerpoint/2012/main"/>
+    </p:ext>
+  </p:extLst>
 </p:presentation>
 </file>
 
@@ -7031,7 +7036,7 @@
           <a:p>
             <a:fld id="{C2452B8F-1640-FC4B-98F7-09CFB5EA8FD0}" type="datetimeFigureOut">
               <a:rPr lang="en-US" smtClean="0"/>
-              <a:t>9/7/24</a:t>
+              <a:t>9/10/24</a:t>
             </a:fld>
             <a:endParaRPr lang="en-US"/>
           </a:p>
@@ -7229,7 +7234,7 @@
           <a:p>
             <a:fld id="{C2452B8F-1640-FC4B-98F7-09CFB5EA8FD0}" type="datetimeFigureOut">
               <a:rPr lang="en-US" smtClean="0"/>
-              <a:t>9/7/24</a:t>
+              <a:t>9/10/24</a:t>
             </a:fld>
             <a:endParaRPr lang="en-US"/>
           </a:p>
@@ -7437,7 +7442,7 @@
           <a:p>
             <a:fld id="{C2452B8F-1640-FC4B-98F7-09CFB5EA8FD0}" type="datetimeFigureOut">
               <a:rPr lang="en-US" smtClean="0"/>
-              <a:t>9/7/24</a:t>
+              <a:t>9/10/24</a:t>
             </a:fld>
             <a:endParaRPr lang="en-US"/>
           </a:p>
@@ -7635,7 +7640,7 @@
           <a:p>
             <a:fld id="{C2452B8F-1640-FC4B-98F7-09CFB5EA8FD0}" type="datetimeFigureOut">
               <a:rPr lang="en-US" smtClean="0"/>
-              <a:t>9/7/24</a:t>
+              <a:t>9/10/24</a:t>
             </a:fld>
             <a:endParaRPr lang="en-US"/>
           </a:p>
@@ -7910,7 +7915,7 @@
           <a:p>
             <a:fld id="{C2452B8F-1640-FC4B-98F7-09CFB5EA8FD0}" type="datetimeFigureOut">
               <a:rPr lang="en-US" smtClean="0"/>
-              <a:t>9/7/24</a:t>
+              <a:t>9/10/24</a:t>
             </a:fld>
             <a:endParaRPr lang="en-US"/>
           </a:p>
@@ -8175,7 +8180,7 @@
           <a:p>
             <a:fld id="{C2452B8F-1640-FC4B-98F7-09CFB5EA8FD0}" type="datetimeFigureOut">
               <a:rPr lang="en-US" smtClean="0"/>
-              <a:t>9/7/24</a:t>
+              <a:t>9/10/24</a:t>
             </a:fld>
             <a:endParaRPr lang="en-US"/>
           </a:p>
@@ -8587,7 +8592,7 @@
           <a:p>
             <a:fld id="{C2452B8F-1640-FC4B-98F7-09CFB5EA8FD0}" type="datetimeFigureOut">
               <a:rPr lang="en-US" smtClean="0"/>
-              <a:t>9/7/24</a:t>
+              <a:t>9/10/24</a:t>
             </a:fld>
             <a:endParaRPr lang="en-US"/>
           </a:p>
@@ -8728,7 +8733,7 @@
           <a:p>
             <a:fld id="{C2452B8F-1640-FC4B-98F7-09CFB5EA8FD0}" type="datetimeFigureOut">
               <a:rPr lang="en-US" smtClean="0"/>
-              <a:t>9/7/24</a:t>
+              <a:t>9/10/24</a:t>
             </a:fld>
             <a:endParaRPr lang="en-US"/>
           </a:p>
@@ -8841,7 +8846,7 @@
           <a:p>
             <a:fld id="{C2452B8F-1640-FC4B-98F7-09CFB5EA8FD0}" type="datetimeFigureOut">
               <a:rPr lang="en-US" smtClean="0"/>
-              <a:t>9/7/24</a:t>
+              <a:t>9/10/24</a:t>
             </a:fld>
             <a:endParaRPr lang="en-US"/>
           </a:p>
@@ -9152,7 +9157,7 @@
           <a:p>
             <a:fld id="{C2452B8F-1640-FC4B-98F7-09CFB5EA8FD0}" type="datetimeFigureOut">
               <a:rPr lang="en-US" smtClean="0"/>
-              <a:t>9/7/24</a:t>
+              <a:t>9/10/24</a:t>
             </a:fld>
             <a:endParaRPr lang="en-US"/>
           </a:p>
@@ -9440,7 +9445,7 @@
           <a:p>
             <a:fld id="{C2452B8F-1640-FC4B-98F7-09CFB5EA8FD0}" type="datetimeFigureOut">
               <a:rPr lang="en-US" smtClean="0"/>
-              <a:t>9/7/24</a:t>
+              <a:t>9/10/24</a:t>
             </a:fld>
             <a:endParaRPr lang="en-US"/>
           </a:p>
@@ -9681,7 +9686,7 @@
           <a:p>
             <a:fld id="{C2452B8F-1640-FC4B-98F7-09CFB5EA8FD0}" type="datetimeFigureOut">
               <a:rPr lang="en-US" smtClean="0"/>
-              <a:t>9/7/24</a:t>
+              <a:t>9/10/24</a:t>
             </a:fld>
             <a:endParaRPr lang="en-US"/>
           </a:p>
@@ -13781,6 +13786,341 @@
       </p:grpSpPr>
       <p:sp useBgFill="1">
         <p:nvSpPr>
+          <p:cNvPr id="41" name="Rectangle 40">
+            <a:extLst>
+              <a:ext uri="{FF2B5EF4-FFF2-40B4-BE49-F238E27FC236}">
+                <a16:creationId xmlns:a16="http://schemas.microsoft.com/office/drawing/2014/main" id="{6D1A2CED-DA9B-4CCF-8215-CFC65FE71603}"/>
+              </a:ext>
+              <a:ext uri="{C183D7F6-B498-43B3-948B-1728B52AA6E4}">
+                <adec:decorative xmlns:adec="http://schemas.microsoft.com/office/drawing/2017/decorative" val="1"/>
+              </a:ext>
+            </a:extLst>
+          </p:cNvPr>
+          <p:cNvSpPr>
+            <a:spLocks noGrp="1" noRot="1" noChangeAspect="1" noMove="1" noResize="1" noEditPoints="1" noAdjustHandles="1" noChangeArrowheads="1" noChangeShapeType="1" noTextEdit="1"/>
+          </p:cNvSpPr>
+          <p:nvPr>
+            <p:extLst>
+              <p:ext uri="{386F3935-93C4-4BCD-93E2-E3B085C9AB24}">
+                <p16:designElem xmlns:p16="http://schemas.microsoft.com/office/powerpoint/2015/main" val="1"/>
+              </p:ext>
+            </p:extLst>
+          </p:nvPr>
+        </p:nvSpPr>
+        <p:spPr>
+          <a:xfrm>
+            <a:off x="0" y="0"/>
+            <a:ext cx="12192000" cy="6858000"/>
+          </a:xfrm>
+          <a:prstGeom prst="rect">
+            <a:avLst/>
+          </a:prstGeom>
+          <a:ln>
+            <a:noFill/>
+          </a:ln>
+        </p:spPr>
+        <p:style>
+          <a:lnRef idx="2">
+            <a:schemeClr val="accent1">
+              <a:shade val="50000"/>
+            </a:schemeClr>
+          </a:lnRef>
+          <a:fillRef idx="1">
+            <a:schemeClr val="accent1"/>
+          </a:fillRef>
+          <a:effectRef idx="0">
+            <a:schemeClr val="accent1"/>
+          </a:effectRef>
+          <a:fontRef idx="minor">
+            <a:schemeClr val="lt1"/>
+          </a:fontRef>
+        </p:style>
+        <p:txBody>
+          <a:bodyPr rtlCol="0" anchor="ctr"/>
+          <a:lstStyle/>
+          <a:p>
+            <a:pPr algn="ctr"/>
+            <a:endParaRPr lang="en-US"/>
+          </a:p>
+        </p:txBody>
+      </p:sp>
+      <p:sp useBgFill="1">
+        <p:nvSpPr>
+          <p:cNvPr id="43" name="Rectangle 42">
+            <a:extLst>
+              <a:ext uri="{FF2B5EF4-FFF2-40B4-BE49-F238E27FC236}">
+                <a16:creationId xmlns:a16="http://schemas.microsoft.com/office/drawing/2014/main" id="{562DFC44-A40C-4573-9230-B3EDB3EC8EEB}"/>
+              </a:ext>
+              <a:ext uri="{C183D7F6-B498-43B3-948B-1728B52AA6E4}">
+                <adec:decorative xmlns:adec="http://schemas.microsoft.com/office/drawing/2017/decorative" val="1"/>
+              </a:ext>
+            </a:extLst>
+          </p:cNvPr>
+          <p:cNvSpPr>
+            <a:spLocks noGrp="1" noRot="1" noChangeAspect="1" noMove="1" noResize="1" noEditPoints="1" noAdjustHandles="1" noChangeArrowheads="1" noChangeShapeType="1" noTextEdit="1"/>
+          </p:cNvSpPr>
+          <p:nvPr>
+            <p:extLst>
+              <p:ext uri="{386F3935-93C4-4BCD-93E2-E3B085C9AB24}">
+                <p16:designElem xmlns:p16="http://schemas.microsoft.com/office/powerpoint/2015/main" val="1"/>
+              </p:ext>
+            </p:extLst>
+          </p:nvPr>
+        </p:nvSpPr>
+        <p:spPr>
+          <a:xfrm>
+            <a:off x="558209" y="260019"/>
+            <a:ext cx="11167447" cy="5933012"/>
+          </a:xfrm>
+          <a:prstGeom prst="rect">
+            <a:avLst/>
+          </a:prstGeom>
+          <a:ln w="12700">
+            <a:solidFill>
+              <a:srgbClr val="DEDEDE"/>
+            </a:solidFill>
+          </a:ln>
+          <a:effectLst>
+            <a:outerShdw blurRad="50800" dist="38100" dir="2700000" algn="tl" rotWithShape="0">
+              <a:schemeClr val="bg2">
+                <a:lumMod val="85000"/>
+                <a:alpha val="50000"/>
+              </a:schemeClr>
+            </a:outerShdw>
+          </a:effectLst>
+        </p:spPr>
+        <p:style>
+          <a:lnRef idx="2">
+            <a:schemeClr val="accent1">
+              <a:shade val="50000"/>
+            </a:schemeClr>
+          </a:lnRef>
+          <a:fillRef idx="1">
+            <a:schemeClr val="accent1"/>
+          </a:fillRef>
+          <a:effectRef idx="0">
+            <a:schemeClr val="accent1"/>
+          </a:effectRef>
+          <a:fontRef idx="minor">
+            <a:schemeClr val="lt1"/>
+          </a:fontRef>
+        </p:style>
+        <p:txBody>
+          <a:bodyPr rtlCol="0" anchor="ctr"/>
+          <a:lstStyle/>
+          <a:p>
+            <a:pPr marL="0" marR="0" lvl="0" indent="0" algn="ctr" defTabSz="914400" rtl="0" eaLnBrk="1" fontAlgn="auto" latinLnBrk="0" hangingPunct="1">
+              <a:lnSpc>
+                <a:spcPct val="100000"/>
+              </a:lnSpc>
+              <a:spcBef>
+                <a:spcPts val="0"/>
+              </a:spcBef>
+              <a:spcAft>
+                <a:spcPts val="0"/>
+              </a:spcAft>
+              <a:buClrTx/>
+              <a:buSzTx/>
+              <a:buFontTx/>
+              <a:buNone/>
+              <a:tabLst/>
+              <a:defRPr/>
+            </a:pPr>
+            <a:endParaRPr kumimoji="0" lang="en-US" sz="1800" b="0" i="0" u="none" strike="noStrike" kern="1200" cap="none" spc="0" normalizeH="0" baseline="0" noProof="0">
+              <a:ln>
+                <a:noFill/>
+              </a:ln>
+              <a:solidFill>
+                <a:prstClr val="white"/>
+              </a:solidFill>
+              <a:effectLst/>
+              <a:uLnTx/>
+              <a:uFillTx/>
+              <a:latin typeface="Calibri" panose="020F0502020204030204"/>
+              <a:ea typeface="+mn-ea"/>
+              <a:cs typeface="+mn-cs"/>
+            </a:endParaRPr>
+          </a:p>
+        </p:txBody>
+      </p:sp>
+      <p:sp>
+        <p:nvSpPr>
+          <p:cNvPr id="2" name="Title 1">
+            <a:extLst>
+              <a:ext uri="{FF2B5EF4-FFF2-40B4-BE49-F238E27FC236}">
+                <a16:creationId xmlns:a16="http://schemas.microsoft.com/office/drawing/2014/main" id="{9B4B215D-9DF5-D9C6-52AC-D4BB04E2CC87}"/>
+              </a:ext>
+            </a:extLst>
+          </p:cNvPr>
+          <p:cNvSpPr>
+            <a:spLocks noGrp="1"/>
+          </p:cNvSpPr>
+          <p:nvPr>
+            <p:ph type="title"/>
+          </p:nvPr>
+        </p:nvSpPr>
+        <p:spPr>
+          <a:xfrm>
+            <a:off x="1115568" y="509521"/>
+            <a:ext cx="10232136" cy="1014984"/>
+          </a:xfrm>
+        </p:spPr>
+        <p:txBody>
+          <a:bodyPr vert="horz" lIns="91440" tIns="45720" rIns="91440" bIns="45720" rtlCol="0" anchor="ctr">
+            <a:normAutofit/>
+          </a:bodyPr>
+          <a:lstStyle/>
+          <a:p>
+            <a:r>
+              <a:rPr lang="en-US" sz="4000" kern="1200">
+                <a:solidFill>
+                  <a:schemeClr val="tx1"/>
+                </a:solidFill>
+                <a:latin typeface="+mj-lt"/>
+                <a:ea typeface="+mj-ea"/>
+                <a:cs typeface="+mj-cs"/>
+              </a:rPr>
+              <a:t>Goals:</a:t>
+            </a:r>
+          </a:p>
+        </p:txBody>
+      </p:sp>
+      <p:sp>
+        <p:nvSpPr>
+          <p:cNvPr id="45" name="Rectangle 44">
+            <a:extLst>
+              <a:ext uri="{FF2B5EF4-FFF2-40B4-BE49-F238E27FC236}">
+                <a16:creationId xmlns:a16="http://schemas.microsoft.com/office/drawing/2014/main" id="{15589D35-CF9F-4DE9-A792-8571A09E9BC9}"/>
+              </a:ext>
+              <a:ext uri="{C183D7F6-B498-43B3-948B-1728B52AA6E4}">
+                <adec:decorative xmlns:adec="http://schemas.microsoft.com/office/drawing/2017/decorative" val="1"/>
+              </a:ext>
+            </a:extLst>
+          </p:cNvPr>
+          <p:cNvSpPr>
+            <a:spLocks noGrp="1" noRot="1" noChangeAspect="1" noMove="1" noResize="1" noEditPoints="1" noAdjustHandles="1" noChangeArrowheads="1" noChangeShapeType="1" noTextEdit="1"/>
+          </p:cNvSpPr>
+          <p:nvPr>
+            <p:extLst>
+              <p:ext uri="{386F3935-93C4-4BCD-93E2-E3B085C9AB24}">
+                <p16:designElem xmlns:p16="http://schemas.microsoft.com/office/powerpoint/2015/main" val="1"/>
+              </p:ext>
+            </p:extLst>
+          </p:nvPr>
+        </p:nvSpPr>
+        <p:spPr>
+          <a:xfrm>
+            <a:off x="498834" y="658327"/>
+            <a:ext cx="128016" cy="704088"/>
+          </a:xfrm>
+          <a:prstGeom prst="rect">
+            <a:avLst/>
+          </a:prstGeom>
+          <a:solidFill>
+            <a:schemeClr val="accent2"/>
+          </a:solidFill>
+          <a:ln>
+            <a:noFill/>
+          </a:ln>
+        </p:spPr>
+        <p:style>
+          <a:lnRef idx="2">
+            <a:schemeClr val="accent1">
+              <a:shade val="50000"/>
+            </a:schemeClr>
+          </a:lnRef>
+          <a:fillRef idx="1">
+            <a:schemeClr val="accent1"/>
+          </a:fillRef>
+          <a:effectRef idx="0">
+            <a:schemeClr val="accent1"/>
+          </a:effectRef>
+          <a:fontRef idx="minor">
+            <a:schemeClr val="lt1"/>
+          </a:fontRef>
+        </p:style>
+        <p:txBody>
+          <a:bodyPr rtlCol="0" anchor="ctr"/>
+          <a:lstStyle/>
+          <a:p>
+            <a:pPr algn="ctr"/>
+            <a:endParaRPr lang="en-US">
+              <a:solidFill>
+                <a:prstClr val="white"/>
+              </a:solidFill>
+              <a:latin typeface="Calibri" panose="020F0502020204030204"/>
+            </a:endParaRPr>
+          </a:p>
+        </p:txBody>
+      </p:sp>
+      <p:graphicFrame>
+        <p:nvGraphicFramePr>
+          <p:cNvPr id="51" name="Title 1">
+            <a:extLst>
+              <a:ext uri="{FF2B5EF4-FFF2-40B4-BE49-F238E27FC236}">
+                <a16:creationId xmlns:a16="http://schemas.microsoft.com/office/drawing/2014/main" id="{B4F2DAFC-6667-08CA-DE13-9DFB980798C0}"/>
+              </a:ext>
+            </a:extLst>
+          </p:cNvPr>
+          <p:cNvGraphicFramePr/>
+          <p:nvPr>
+            <p:extLst>
+              <p:ext uri="{D42A27DB-BD31-4B8C-83A1-F6EECF244321}">
+                <p14:modId xmlns:p14="http://schemas.microsoft.com/office/powerpoint/2010/main" val="4030789832"/>
+              </p:ext>
+            </p:extLst>
+          </p:nvPr>
+        </p:nvGraphicFramePr>
+        <p:xfrm>
+          <a:off x="1115568" y="1673352"/>
+          <a:ext cx="10232136" cy="4334256"/>
+        </p:xfrm>
+        <a:graphic>
+          <a:graphicData uri="http://schemas.openxmlformats.org/drawingml/2006/diagram">
+            <dgm:relIds xmlns:dgm="http://schemas.openxmlformats.org/drawingml/2006/diagram" xmlns:r="http://schemas.openxmlformats.org/officeDocument/2006/relationships" r:dm="rId2" r:lo="rId3" r:qs="rId4" r:cs="rId5"/>
+          </a:graphicData>
+        </a:graphic>
+      </p:graphicFrame>
+    </p:spTree>
+    <p:extLst>
+      <p:ext uri="{BB962C8B-B14F-4D97-AF65-F5344CB8AC3E}">
+        <p14:creationId xmlns:p14="http://schemas.microsoft.com/office/powerpoint/2010/main" val="3692492326"/>
+      </p:ext>
+    </p:extLst>
+  </p:cSld>
+  <p:clrMapOvr>
+    <a:masterClrMapping/>
+  </p:clrMapOvr>
+</p:sld>
+</file>
+
+<file path=ppt/slides/slide3.xml><?xml version="1.0" encoding="utf-8"?>
+<p:sld xmlns:a="http://schemas.openxmlformats.org/drawingml/2006/main" xmlns:r="http://schemas.openxmlformats.org/officeDocument/2006/relationships" xmlns:p="http://schemas.openxmlformats.org/presentationml/2006/main">
+  <p:cSld>
+    <p:bg>
+      <p:bgPr>
+        <a:solidFill>
+          <a:schemeClr val="bg1"/>
+        </a:solidFill>
+        <a:effectLst/>
+      </p:bgPr>
+    </p:bg>
+    <p:spTree>
+      <p:nvGrpSpPr>
+        <p:cNvPr id="1" name=""/>
+        <p:cNvGrpSpPr/>
+        <p:nvPr/>
+      </p:nvGrpSpPr>
+      <p:grpSpPr>
+        <a:xfrm>
+          <a:off x="0" y="0"/>
+          <a:ext cx="0" cy="0"/>
+          <a:chOff x="0" y="0"/>
+          <a:chExt cx="0" cy="0"/>
+        </a:xfrm>
+      </p:grpSpPr>
+      <p:sp useBgFill="1">
+        <p:nvSpPr>
           <p:cNvPr id="1033" name="Rectangle 1032">
             <a:extLst>
               <a:ext uri="{FF2B5EF4-FFF2-40B4-BE49-F238E27FC236}">
@@ -14480,341 +14820,6 @@
     <p:extLst>
       <p:ext uri="{BB962C8B-B14F-4D97-AF65-F5344CB8AC3E}">
         <p14:creationId xmlns:p14="http://schemas.microsoft.com/office/powerpoint/2010/main" val="4140343728"/>
-      </p:ext>
-    </p:extLst>
-  </p:cSld>
-  <p:clrMapOvr>
-    <a:masterClrMapping/>
-  </p:clrMapOvr>
-</p:sld>
-</file>
-
-<file path=ppt/slides/slide3.xml><?xml version="1.0" encoding="utf-8"?>
-<p:sld xmlns:a="http://schemas.openxmlformats.org/drawingml/2006/main" xmlns:r="http://schemas.openxmlformats.org/officeDocument/2006/relationships" xmlns:p="http://schemas.openxmlformats.org/presentationml/2006/main">
-  <p:cSld>
-    <p:bg>
-      <p:bgPr>
-        <a:solidFill>
-          <a:schemeClr val="bg1"/>
-        </a:solidFill>
-        <a:effectLst/>
-      </p:bgPr>
-    </p:bg>
-    <p:spTree>
-      <p:nvGrpSpPr>
-        <p:cNvPr id="1" name=""/>
-        <p:cNvGrpSpPr/>
-        <p:nvPr/>
-      </p:nvGrpSpPr>
-      <p:grpSpPr>
-        <a:xfrm>
-          <a:off x="0" y="0"/>
-          <a:ext cx="0" cy="0"/>
-          <a:chOff x="0" y="0"/>
-          <a:chExt cx="0" cy="0"/>
-        </a:xfrm>
-      </p:grpSpPr>
-      <p:sp useBgFill="1">
-        <p:nvSpPr>
-          <p:cNvPr id="41" name="Rectangle 40">
-            <a:extLst>
-              <a:ext uri="{FF2B5EF4-FFF2-40B4-BE49-F238E27FC236}">
-                <a16:creationId xmlns:a16="http://schemas.microsoft.com/office/drawing/2014/main" id="{6D1A2CED-DA9B-4CCF-8215-CFC65FE71603}"/>
-              </a:ext>
-              <a:ext uri="{C183D7F6-B498-43B3-948B-1728B52AA6E4}">
-                <adec:decorative xmlns:adec="http://schemas.microsoft.com/office/drawing/2017/decorative" val="1"/>
-              </a:ext>
-            </a:extLst>
-          </p:cNvPr>
-          <p:cNvSpPr>
-            <a:spLocks noGrp="1" noRot="1" noChangeAspect="1" noMove="1" noResize="1" noEditPoints="1" noAdjustHandles="1" noChangeArrowheads="1" noChangeShapeType="1" noTextEdit="1"/>
-          </p:cNvSpPr>
-          <p:nvPr>
-            <p:extLst>
-              <p:ext uri="{386F3935-93C4-4BCD-93E2-E3B085C9AB24}">
-                <p16:designElem xmlns:p16="http://schemas.microsoft.com/office/powerpoint/2015/main" val="1"/>
-              </p:ext>
-            </p:extLst>
-          </p:nvPr>
-        </p:nvSpPr>
-        <p:spPr>
-          <a:xfrm>
-            <a:off x="0" y="0"/>
-            <a:ext cx="12192000" cy="6858000"/>
-          </a:xfrm>
-          <a:prstGeom prst="rect">
-            <a:avLst/>
-          </a:prstGeom>
-          <a:ln>
-            <a:noFill/>
-          </a:ln>
-        </p:spPr>
-        <p:style>
-          <a:lnRef idx="2">
-            <a:schemeClr val="accent1">
-              <a:shade val="50000"/>
-            </a:schemeClr>
-          </a:lnRef>
-          <a:fillRef idx="1">
-            <a:schemeClr val="accent1"/>
-          </a:fillRef>
-          <a:effectRef idx="0">
-            <a:schemeClr val="accent1"/>
-          </a:effectRef>
-          <a:fontRef idx="minor">
-            <a:schemeClr val="lt1"/>
-          </a:fontRef>
-        </p:style>
-        <p:txBody>
-          <a:bodyPr rtlCol="0" anchor="ctr"/>
-          <a:lstStyle/>
-          <a:p>
-            <a:pPr algn="ctr"/>
-            <a:endParaRPr lang="en-US"/>
-          </a:p>
-        </p:txBody>
-      </p:sp>
-      <p:sp useBgFill="1">
-        <p:nvSpPr>
-          <p:cNvPr id="43" name="Rectangle 42">
-            <a:extLst>
-              <a:ext uri="{FF2B5EF4-FFF2-40B4-BE49-F238E27FC236}">
-                <a16:creationId xmlns:a16="http://schemas.microsoft.com/office/drawing/2014/main" id="{562DFC44-A40C-4573-9230-B3EDB3EC8EEB}"/>
-              </a:ext>
-              <a:ext uri="{C183D7F6-B498-43B3-948B-1728B52AA6E4}">
-                <adec:decorative xmlns:adec="http://schemas.microsoft.com/office/drawing/2017/decorative" val="1"/>
-              </a:ext>
-            </a:extLst>
-          </p:cNvPr>
-          <p:cNvSpPr>
-            <a:spLocks noGrp="1" noRot="1" noChangeAspect="1" noMove="1" noResize="1" noEditPoints="1" noAdjustHandles="1" noChangeArrowheads="1" noChangeShapeType="1" noTextEdit="1"/>
-          </p:cNvSpPr>
-          <p:nvPr>
-            <p:extLst>
-              <p:ext uri="{386F3935-93C4-4BCD-93E2-E3B085C9AB24}">
-                <p16:designElem xmlns:p16="http://schemas.microsoft.com/office/powerpoint/2015/main" val="1"/>
-              </p:ext>
-            </p:extLst>
-          </p:nvPr>
-        </p:nvSpPr>
-        <p:spPr>
-          <a:xfrm>
-            <a:off x="558209" y="260019"/>
-            <a:ext cx="11167447" cy="5933012"/>
-          </a:xfrm>
-          <a:prstGeom prst="rect">
-            <a:avLst/>
-          </a:prstGeom>
-          <a:ln w="12700">
-            <a:solidFill>
-              <a:srgbClr val="DEDEDE"/>
-            </a:solidFill>
-          </a:ln>
-          <a:effectLst>
-            <a:outerShdw blurRad="50800" dist="38100" dir="2700000" algn="tl" rotWithShape="0">
-              <a:schemeClr val="bg2">
-                <a:lumMod val="85000"/>
-                <a:alpha val="50000"/>
-              </a:schemeClr>
-            </a:outerShdw>
-          </a:effectLst>
-        </p:spPr>
-        <p:style>
-          <a:lnRef idx="2">
-            <a:schemeClr val="accent1">
-              <a:shade val="50000"/>
-            </a:schemeClr>
-          </a:lnRef>
-          <a:fillRef idx="1">
-            <a:schemeClr val="accent1"/>
-          </a:fillRef>
-          <a:effectRef idx="0">
-            <a:schemeClr val="accent1"/>
-          </a:effectRef>
-          <a:fontRef idx="minor">
-            <a:schemeClr val="lt1"/>
-          </a:fontRef>
-        </p:style>
-        <p:txBody>
-          <a:bodyPr rtlCol="0" anchor="ctr"/>
-          <a:lstStyle/>
-          <a:p>
-            <a:pPr marL="0" marR="0" lvl="0" indent="0" algn="ctr" defTabSz="914400" rtl="0" eaLnBrk="1" fontAlgn="auto" latinLnBrk="0" hangingPunct="1">
-              <a:lnSpc>
-                <a:spcPct val="100000"/>
-              </a:lnSpc>
-              <a:spcBef>
-                <a:spcPts val="0"/>
-              </a:spcBef>
-              <a:spcAft>
-                <a:spcPts val="0"/>
-              </a:spcAft>
-              <a:buClrTx/>
-              <a:buSzTx/>
-              <a:buFontTx/>
-              <a:buNone/>
-              <a:tabLst/>
-              <a:defRPr/>
-            </a:pPr>
-            <a:endParaRPr kumimoji="0" lang="en-US" sz="1800" b="0" i="0" u="none" strike="noStrike" kern="1200" cap="none" spc="0" normalizeH="0" baseline="0" noProof="0">
-              <a:ln>
-                <a:noFill/>
-              </a:ln>
-              <a:solidFill>
-                <a:prstClr val="white"/>
-              </a:solidFill>
-              <a:effectLst/>
-              <a:uLnTx/>
-              <a:uFillTx/>
-              <a:latin typeface="Calibri" panose="020F0502020204030204"/>
-              <a:ea typeface="+mn-ea"/>
-              <a:cs typeface="+mn-cs"/>
-            </a:endParaRPr>
-          </a:p>
-        </p:txBody>
-      </p:sp>
-      <p:sp>
-        <p:nvSpPr>
-          <p:cNvPr id="2" name="Title 1">
-            <a:extLst>
-              <a:ext uri="{FF2B5EF4-FFF2-40B4-BE49-F238E27FC236}">
-                <a16:creationId xmlns:a16="http://schemas.microsoft.com/office/drawing/2014/main" id="{9B4B215D-9DF5-D9C6-52AC-D4BB04E2CC87}"/>
-              </a:ext>
-            </a:extLst>
-          </p:cNvPr>
-          <p:cNvSpPr>
-            <a:spLocks noGrp="1"/>
-          </p:cNvSpPr>
-          <p:nvPr>
-            <p:ph type="title"/>
-          </p:nvPr>
-        </p:nvSpPr>
-        <p:spPr>
-          <a:xfrm>
-            <a:off x="1115568" y="509521"/>
-            <a:ext cx="10232136" cy="1014984"/>
-          </a:xfrm>
-        </p:spPr>
-        <p:txBody>
-          <a:bodyPr vert="horz" lIns="91440" tIns="45720" rIns="91440" bIns="45720" rtlCol="0" anchor="ctr">
-            <a:normAutofit/>
-          </a:bodyPr>
-          <a:lstStyle/>
-          <a:p>
-            <a:r>
-              <a:rPr lang="en-US" sz="4000" kern="1200">
-                <a:solidFill>
-                  <a:schemeClr val="tx1"/>
-                </a:solidFill>
-                <a:latin typeface="+mj-lt"/>
-                <a:ea typeface="+mj-ea"/>
-                <a:cs typeface="+mj-cs"/>
-              </a:rPr>
-              <a:t>Goals:</a:t>
-            </a:r>
-          </a:p>
-        </p:txBody>
-      </p:sp>
-      <p:sp>
-        <p:nvSpPr>
-          <p:cNvPr id="45" name="Rectangle 44">
-            <a:extLst>
-              <a:ext uri="{FF2B5EF4-FFF2-40B4-BE49-F238E27FC236}">
-                <a16:creationId xmlns:a16="http://schemas.microsoft.com/office/drawing/2014/main" id="{15589D35-CF9F-4DE9-A792-8571A09E9BC9}"/>
-              </a:ext>
-              <a:ext uri="{C183D7F6-B498-43B3-948B-1728B52AA6E4}">
-                <adec:decorative xmlns:adec="http://schemas.microsoft.com/office/drawing/2017/decorative" val="1"/>
-              </a:ext>
-            </a:extLst>
-          </p:cNvPr>
-          <p:cNvSpPr>
-            <a:spLocks noGrp="1" noRot="1" noChangeAspect="1" noMove="1" noResize="1" noEditPoints="1" noAdjustHandles="1" noChangeArrowheads="1" noChangeShapeType="1" noTextEdit="1"/>
-          </p:cNvSpPr>
-          <p:nvPr>
-            <p:extLst>
-              <p:ext uri="{386F3935-93C4-4BCD-93E2-E3B085C9AB24}">
-                <p16:designElem xmlns:p16="http://schemas.microsoft.com/office/powerpoint/2015/main" val="1"/>
-              </p:ext>
-            </p:extLst>
-          </p:nvPr>
-        </p:nvSpPr>
-        <p:spPr>
-          <a:xfrm>
-            <a:off x="498834" y="658327"/>
-            <a:ext cx="128016" cy="704088"/>
-          </a:xfrm>
-          <a:prstGeom prst="rect">
-            <a:avLst/>
-          </a:prstGeom>
-          <a:solidFill>
-            <a:schemeClr val="accent2"/>
-          </a:solidFill>
-          <a:ln>
-            <a:noFill/>
-          </a:ln>
-        </p:spPr>
-        <p:style>
-          <a:lnRef idx="2">
-            <a:schemeClr val="accent1">
-              <a:shade val="50000"/>
-            </a:schemeClr>
-          </a:lnRef>
-          <a:fillRef idx="1">
-            <a:schemeClr val="accent1"/>
-          </a:fillRef>
-          <a:effectRef idx="0">
-            <a:schemeClr val="accent1"/>
-          </a:effectRef>
-          <a:fontRef idx="minor">
-            <a:schemeClr val="lt1"/>
-          </a:fontRef>
-        </p:style>
-        <p:txBody>
-          <a:bodyPr rtlCol="0" anchor="ctr"/>
-          <a:lstStyle/>
-          <a:p>
-            <a:pPr algn="ctr"/>
-            <a:endParaRPr lang="en-US">
-              <a:solidFill>
-                <a:prstClr val="white"/>
-              </a:solidFill>
-              <a:latin typeface="Calibri" panose="020F0502020204030204"/>
-            </a:endParaRPr>
-          </a:p>
-        </p:txBody>
-      </p:sp>
-      <p:graphicFrame>
-        <p:nvGraphicFramePr>
-          <p:cNvPr id="51" name="Title 1">
-            <a:extLst>
-              <a:ext uri="{FF2B5EF4-FFF2-40B4-BE49-F238E27FC236}">
-                <a16:creationId xmlns:a16="http://schemas.microsoft.com/office/drawing/2014/main" id="{B4F2DAFC-6667-08CA-DE13-9DFB980798C0}"/>
-              </a:ext>
-            </a:extLst>
-          </p:cNvPr>
-          <p:cNvGraphicFramePr/>
-          <p:nvPr>
-            <p:extLst>
-              <p:ext uri="{D42A27DB-BD31-4B8C-83A1-F6EECF244321}">
-                <p14:modId xmlns:p14="http://schemas.microsoft.com/office/powerpoint/2010/main" val="4030789832"/>
-              </p:ext>
-            </p:extLst>
-          </p:nvPr>
-        </p:nvGraphicFramePr>
-        <p:xfrm>
-          <a:off x="1115568" y="1673352"/>
-          <a:ext cx="10232136" cy="4334256"/>
-        </p:xfrm>
-        <a:graphic>
-          <a:graphicData uri="http://schemas.openxmlformats.org/drawingml/2006/diagram">
-            <dgm:relIds xmlns:dgm="http://schemas.openxmlformats.org/drawingml/2006/diagram" xmlns:r="http://schemas.openxmlformats.org/officeDocument/2006/relationships" r:dm="rId2" r:lo="rId3" r:qs="rId4" r:cs="rId5"/>
-          </a:graphicData>
-        </a:graphic>
-      </p:graphicFrame>
-    </p:spTree>
-    <p:extLst>
-      <p:ext uri="{BB962C8B-B14F-4D97-AF65-F5344CB8AC3E}">
-        <p14:creationId xmlns:p14="http://schemas.microsoft.com/office/powerpoint/2010/main" val="3692492326"/>
       </p:ext>
     </p:extLst>
   </p:cSld>
